--- a/YourZombieAndYou.pptx
+++ b/YourZombieAndYou.pptx
@@ -71,7 +71,7 @@
     <p:sldId id="310" r:id="rId65"/>
   </p:sldIdLst>
   <p:sldSz cx="12192000" cy="6858000"/>
-  <p:notesSz cx="6858000" cy="9144000"/>
+  <p:notesSz cx="9144000" cy="6858000"/>
   <p:defaultTextStyle>
     <a:defPPr>
       <a:defRPr lang="en-US"/>
@@ -176,7 +176,40 @@
 </file>
 
 <file path=ppt/revisionInfo.xml><?xml version="1.0" encoding="utf-8"?>
-<p1510:revInfo xmlns:a="http://schemas.openxmlformats.org/drawingml/2006/main" xmlns:r="http://schemas.openxmlformats.org/officeDocument/2006/relationships" xmlns:p1510="http://schemas.microsoft.com/office/powerpoint/2015/10/main"/>
+<p1510:revInfo xmlns:a="http://schemas.openxmlformats.org/drawingml/2006/main" xmlns:r="http://schemas.openxmlformats.org/officeDocument/2006/relationships" xmlns:p1510="http://schemas.microsoft.com/office/powerpoint/2015/10/main">
+  <p1510:revLst>
+    <p1510:client id="{138421C0-FEA6-46B6-9150-9DB7D3261D06}" v="1" dt="2020-07-24T15:10:47.383"/>
+  </p1510:revLst>
+</p1510:revInfo>
+</file>
+
+<file path=ppt/changesInfos/changesInfo1.xml><?xml version="1.0" encoding="utf-8"?>
+<pc:chgInfo xmlns:a="http://schemas.openxmlformats.org/drawingml/2006/main" xmlns:r="http://schemas.openxmlformats.org/officeDocument/2006/relationships" xmlns:ac="http://schemas.microsoft.com/office/drawing/2013/main/command" xmlns:pc="http://schemas.microsoft.com/office/powerpoint/2013/main/command">
+  <pc:docChgLst>
+    <pc:chgData name="Brian Dahlem" userId="402ddc43-2d87-4aa4-abd3-3a0b3d7db2a8" providerId="ADAL" clId="{138421C0-FEA6-46B6-9150-9DB7D3261D06}"/>
+    <pc:docChg chg="custSel modSld">
+      <pc:chgData name="Brian Dahlem" userId="402ddc43-2d87-4aa4-abd3-3a0b3d7db2a8" providerId="ADAL" clId="{138421C0-FEA6-46B6-9150-9DB7D3261D06}" dt="2020-07-24T15:12:13.536" v="0" actId="478"/>
+      <pc:docMkLst>
+        <pc:docMk/>
+      </pc:docMkLst>
+      <pc:sldChg chg="delSp mod">
+        <pc:chgData name="Brian Dahlem" userId="402ddc43-2d87-4aa4-abd3-3a0b3d7db2a8" providerId="ADAL" clId="{138421C0-FEA6-46B6-9150-9DB7D3261D06}" dt="2020-07-24T15:12:13.536" v="0" actId="478"/>
+        <pc:sldMkLst>
+          <pc:docMk/>
+          <pc:sldMk cId="867265161" sldId="262"/>
+        </pc:sldMkLst>
+        <pc:spChg chg="del">
+          <ac:chgData name="Brian Dahlem" userId="402ddc43-2d87-4aa4-abd3-3a0b3d7db2a8" providerId="ADAL" clId="{138421C0-FEA6-46B6-9150-9DB7D3261D06}" dt="2020-07-24T15:12:13.536" v="0" actId="478"/>
+          <ac:spMkLst>
+            <pc:docMk/>
+            <pc:sldMk cId="867265161" sldId="262"/>
+            <ac:spMk id="3" creationId="{428573C0-D8B6-4662-9935-2964AA04EC08}"/>
+          </ac:spMkLst>
+        </pc:spChg>
+      </pc:sldChg>
+    </pc:docChg>
+  </pc:docChgLst>
+</pc:chgInfo>
 </file>
 
 <file path=ppt/slideLayouts/slideLayout1.xml><?xml version="1.0" encoding="utf-8"?>
@@ -326,7 +359,7 @@
           <a:p>
             <a:fld id="{93EACFEC-3B03-4532-A11B-C6047E9C722F}" type="datetimeFigureOut">
               <a:rPr lang="en-US" smtClean="0"/>
-              <a:t>5/29/2018</a:t>
+              <a:t>7/24/2020</a:t>
             </a:fld>
             <a:endParaRPr lang="en-US"/>
           </a:p>
@@ -524,7 +557,7 @@
           <a:p>
             <a:fld id="{93EACFEC-3B03-4532-A11B-C6047E9C722F}" type="datetimeFigureOut">
               <a:rPr lang="en-US" smtClean="0"/>
-              <a:t>5/29/2018</a:t>
+              <a:t>7/24/2020</a:t>
             </a:fld>
             <a:endParaRPr lang="en-US"/>
           </a:p>
@@ -732,7 +765,7 @@
           <a:p>
             <a:fld id="{93EACFEC-3B03-4532-A11B-C6047E9C722F}" type="datetimeFigureOut">
               <a:rPr lang="en-US" smtClean="0"/>
-              <a:t>5/29/2018</a:t>
+              <a:t>7/24/2020</a:t>
             </a:fld>
             <a:endParaRPr lang="en-US"/>
           </a:p>
@@ -930,7 +963,7 @@
           <a:p>
             <a:fld id="{93EACFEC-3B03-4532-A11B-C6047E9C722F}" type="datetimeFigureOut">
               <a:rPr lang="en-US" smtClean="0"/>
-              <a:t>5/29/2018</a:t>
+              <a:t>7/24/2020</a:t>
             </a:fld>
             <a:endParaRPr lang="en-US"/>
           </a:p>
@@ -1205,7 +1238,7 @@
           <a:p>
             <a:fld id="{93EACFEC-3B03-4532-A11B-C6047E9C722F}" type="datetimeFigureOut">
               <a:rPr lang="en-US" smtClean="0"/>
-              <a:t>5/29/2018</a:t>
+              <a:t>7/24/2020</a:t>
             </a:fld>
             <a:endParaRPr lang="en-US"/>
           </a:p>
@@ -1470,7 +1503,7 @@
           <a:p>
             <a:fld id="{93EACFEC-3B03-4532-A11B-C6047E9C722F}" type="datetimeFigureOut">
               <a:rPr lang="en-US" smtClean="0"/>
-              <a:t>5/29/2018</a:t>
+              <a:t>7/24/2020</a:t>
             </a:fld>
             <a:endParaRPr lang="en-US"/>
           </a:p>
@@ -1882,7 +1915,7 @@
           <a:p>
             <a:fld id="{93EACFEC-3B03-4532-A11B-C6047E9C722F}" type="datetimeFigureOut">
               <a:rPr lang="en-US" smtClean="0"/>
-              <a:t>5/29/2018</a:t>
+              <a:t>7/24/2020</a:t>
             </a:fld>
             <a:endParaRPr lang="en-US"/>
           </a:p>
@@ -2023,7 +2056,7 @@
           <a:p>
             <a:fld id="{93EACFEC-3B03-4532-A11B-C6047E9C722F}" type="datetimeFigureOut">
               <a:rPr lang="en-US" smtClean="0"/>
-              <a:t>5/29/2018</a:t>
+              <a:t>7/24/2020</a:t>
             </a:fld>
             <a:endParaRPr lang="en-US"/>
           </a:p>
@@ -2136,7 +2169,7 @@
           <a:p>
             <a:fld id="{93EACFEC-3B03-4532-A11B-C6047E9C722F}" type="datetimeFigureOut">
               <a:rPr lang="en-US" smtClean="0"/>
-              <a:t>5/29/2018</a:t>
+              <a:t>7/24/2020</a:t>
             </a:fld>
             <a:endParaRPr lang="en-US"/>
           </a:p>
@@ -2447,7 +2480,7 @@
           <a:p>
             <a:fld id="{93EACFEC-3B03-4532-A11B-C6047E9C722F}" type="datetimeFigureOut">
               <a:rPr lang="en-US" smtClean="0"/>
-              <a:t>5/29/2018</a:t>
+              <a:t>7/24/2020</a:t>
             </a:fld>
             <a:endParaRPr lang="en-US"/>
           </a:p>
@@ -2735,7 +2768,7 @@
           <a:p>
             <a:fld id="{93EACFEC-3B03-4532-A11B-C6047E9C722F}" type="datetimeFigureOut">
               <a:rPr lang="en-US" smtClean="0"/>
-              <a:t>5/29/2018</a:t>
+              <a:t>7/24/2020</a:t>
             </a:fld>
             <a:endParaRPr lang="en-US"/>
           </a:p>
@@ -2981,7 +3014,7 @@
           <a:p>
             <a:fld id="{93EACFEC-3B03-4532-A11B-C6047E9C722F}" type="datetimeFigureOut">
               <a:rPr lang="en-US" smtClean="0"/>
-              <a:t>5/29/2018</a:t>
+              <a:t>7/24/2020</a:t>
             </a:fld>
             <a:endParaRPr lang="en-US"/>
           </a:p>
@@ -4391,31 +4424,6 @@
           </a:p>
         </p:txBody>
       </p:sp>
-      <p:sp>
-        <p:nvSpPr>
-          <p:cNvPr id="3" name="Text Placeholder 2">
-            <a:extLst>
-              <a:ext uri="{FF2B5EF4-FFF2-40B4-BE49-F238E27FC236}">
-                <a16:creationId xmlns:a16="http://schemas.microsoft.com/office/drawing/2014/main" id="{428573C0-D8B6-4662-9935-2964AA04EC08}"/>
-              </a:ext>
-            </a:extLst>
-          </p:cNvPr>
-          <p:cNvSpPr>
-            <a:spLocks noGrp="1"/>
-          </p:cNvSpPr>
-          <p:nvPr>
-            <p:ph type="body" idx="1"/>
-          </p:nvPr>
-        </p:nvSpPr>
-        <p:spPr/>
-        <p:txBody>
-          <a:bodyPr/>
-          <a:lstStyle/>
-          <a:p>
-            <a:endParaRPr lang="en-US"/>
-          </a:p>
-        </p:txBody>
-      </p:sp>
     </p:spTree>
     <p:extLst>
       <p:ext uri="{BB962C8B-B14F-4D97-AF65-F5344CB8AC3E}">
@@ -4575,11 +4583,7 @@
             </a:r>
             <a:r>
               <a:rPr lang="en-US" sz="2400" dirty="0"/>
-              <a:t> </a:t>
-            </a:r>
-            <a:r>
-              <a:rPr lang="en-US" sz="2400" dirty="0" smtClean="0"/>
-              <a:t>here:</a:t>
+              <a:t> here:</a:t>
             </a:r>
           </a:p>
           <a:p>
@@ -4596,13 +4600,6 @@
               </a:rPr>
               <a:t>https://www.greenfoot.org/download</a:t>
             </a:r>
-            <a:endParaRPr lang="en-US" sz="2400" dirty="0">
-              <a:solidFill>
-                <a:schemeClr val="bg2">
-                  <a:lumMod val="50000"/>
-                </a:schemeClr>
-              </a:solidFill>
-            </a:endParaRPr>
           </a:p>
         </p:txBody>
       </p:sp>
@@ -5089,15 +5086,7 @@
             </a:r>
             <a:r>
               <a:rPr lang="en-US" sz="2400" dirty="0"/>
-              <a:t> menu </a:t>
-            </a:r>
-            <a:r>
-              <a:rPr lang="en-US" sz="2400" dirty="0" smtClean="0"/>
-              <a:t>contain </a:t>
-            </a:r>
-            <a:r>
-              <a:rPr lang="en-US" sz="2400" dirty="0"/>
-              <a:t>options for loading and saving scenarios, accessing Help, etc. </a:t>
+              <a:t> menu contain options for loading and saving scenarios, accessing Help, etc. </a:t>
             </a:r>
           </a:p>
         </p:txBody>
@@ -5361,23 +5350,13 @@
             </a:r>
             <a:r>
               <a:rPr lang="en-US" sz="2400" dirty="0"/>
-              <a:t>, </a:t>
-            </a:r>
-            <a:r>
-              <a:rPr lang="en-US" sz="2400" dirty="0" smtClean="0"/>
-              <a:t> </a:t>
-            </a:r>
-            <a:r>
-              <a:rPr lang="en-US" sz="1800" dirty="0" smtClean="0">
-                <a:latin typeface="OCRA" panose="02000509000000000000" pitchFamily="49" charset="0"/>
-              </a:rPr>
-              <a:t>Display </a:t>
+              <a:t>,  </a:t>
             </a:r>
             <a:r>
               <a:rPr lang="en-US" sz="1800" dirty="0">
                 <a:latin typeface="OCRA" panose="02000509000000000000" pitchFamily="49" charset="0"/>
               </a:rPr>
-              <a:t>line numbers</a:t>
+              <a:t>Display line numbers</a:t>
             </a:r>
             <a:r>
               <a:rPr lang="en-US" sz="2400" dirty="0"/>
@@ -5615,15 +5594,7 @@
             </a:pPr>
             <a:r>
               <a:rPr lang="en-US" dirty="0"/>
-              <a:t>When </a:t>
-            </a:r>
-            <a:r>
-              <a:rPr lang="en-US" dirty="0" smtClean="0"/>
-              <a:t>you open the file, </a:t>
-            </a:r>
-            <a:r>
-              <a:rPr lang="en-US" dirty="0"/>
-              <a:t>you should see a window like this one:</a:t>
+              <a:t>When you open the file, you should see a window like this one:</a:t>
             </a:r>
             <a:endParaRPr lang="en-US" sz="1800" dirty="0"/>
           </a:p>
@@ -6231,15 +6202,7 @@
           <a:p>
             <a:r>
               <a:rPr lang="en-US" sz="2400" dirty="0"/>
-              <a:t>In some scenarios there will be more actor </a:t>
-            </a:r>
-            <a:r>
-              <a:rPr lang="en-US" sz="2400" dirty="0" smtClean="0"/>
-              <a:t>classes. In </a:t>
-            </a:r>
-            <a:r>
-              <a:rPr lang="en-US" sz="2400" dirty="0"/>
-              <a:t>some scenarios there will be fewer actor classes. </a:t>
+              <a:t>In some scenarios there will be more actor classes. In some scenarios there will be fewer actor classes. </a:t>
             </a:r>
           </a:p>
           <a:p>
@@ -6400,15 +6363,7 @@
             </a:r>
             <a:r>
               <a:rPr lang="en-US" sz="2400" dirty="0"/>
-              <a:t> which means that zombie goals are </a:t>
-            </a:r>
-            <a:r>
-              <a:rPr lang="en-US" sz="2400" dirty="0" smtClean="0"/>
-              <a:t>zombie </a:t>
-            </a:r>
-            <a:r>
-              <a:rPr lang="en-US" sz="2400" dirty="0"/>
-              <a:t>detectors </a:t>
+              <a:t> which means that zombie goals are zombie detectors </a:t>
             </a:r>
             <a:r>
               <a:rPr lang="en-US" sz="2400" i="1" dirty="0"/>
@@ -6478,59 +6433,35 @@
           <a:p>
             <a:r>
               <a:rPr lang="en-US" sz="2400" dirty="0"/>
-              <a:t>You can </a:t>
-            </a:r>
-            <a:r>
-              <a:rPr lang="en-US" sz="2400" dirty="0" smtClean="0"/>
-              <a:t>see from the diagram </a:t>
-            </a:r>
-            <a:r>
-              <a:rPr lang="en-US" sz="2400" dirty="0"/>
-              <a:t>that </a:t>
-            </a:r>
-            <a:r>
-              <a:rPr lang="en-US" sz="2400" dirty="0" smtClean="0"/>
-              <a:t>everything in the </a:t>
-            </a:r>
-            <a:r>
-              <a:rPr lang="en-US" sz="1800" dirty="0" smtClean="0">
+              <a:t>You can see from the diagram that everything in the </a:t>
+            </a:r>
+            <a:r>
+              <a:rPr lang="en-US" sz="1800" dirty="0">
                 <a:latin typeface="OCRA" panose="02000509000000000000" pitchFamily="49" charset="0"/>
               </a:rPr>
               <a:t>Actor</a:t>
             </a:r>
             <a:r>
-              <a:rPr lang="en-US" sz="2400" dirty="0" smtClean="0"/>
-              <a:t> </a:t>
-            </a:r>
-            <a:r>
-              <a:rPr lang="en-US" sz="2400" dirty="0"/>
-              <a:t>classes </a:t>
-            </a:r>
-            <a:r>
-              <a:rPr lang="en-US" sz="2400" dirty="0" err="1" smtClean="0"/>
+              <a:rPr lang="en-US" sz="2400" dirty="0"/>
+              <a:t> classes </a:t>
+            </a:r>
+            <a:r>
+              <a:rPr lang="en-US" sz="2400" dirty="0" err="1"/>
               <a:t>heirarchy</a:t>
             </a:r>
             <a:r>
-              <a:rPr lang="en-US" sz="2400" dirty="0" smtClean="0"/>
-              <a:t> </a:t>
-            </a:r>
-            <a:r>
-              <a:rPr lang="en-US" sz="2400" dirty="0"/>
-              <a:t>turns out to be an </a:t>
-            </a:r>
-            <a:r>
-              <a:rPr lang="en-US" sz="1800" dirty="0" smtClean="0">
+              <a:rPr lang="en-US" sz="2400" dirty="0"/>
+              <a:t> turns out to be an </a:t>
+            </a:r>
+            <a:r>
+              <a:rPr lang="en-US" sz="1800" dirty="0">
                 <a:latin typeface="OCRA" panose="02000509000000000000" pitchFamily="49" charset="0"/>
               </a:rPr>
               <a:t>Actor</a:t>
             </a:r>
             <a:r>
-              <a:rPr lang="en-US" sz="2400" dirty="0" smtClean="0"/>
-              <a:t>. This is </a:t>
-            </a:r>
-            <a:r>
-              <a:rPr lang="en-US" sz="2400" dirty="0"/>
-              <a:t>good because only </a:t>
+              <a:rPr lang="en-US" sz="2400" dirty="0"/>
+              <a:t>. This is good because only </a:t>
             </a:r>
             <a:r>
               <a:rPr lang="en-US" sz="1800" dirty="0">
@@ -6691,13 +6622,8 @@
             </a:r>
             <a:r>
               <a:rPr lang="en-US" sz="2400" dirty="0"/>
-              <a:t>.  Just like a regular zombie, but better</a:t>
-            </a:r>
-            <a:r>
-              <a:rPr lang="en-US" sz="2400" dirty="0" smtClean="0"/>
-              <a:t>.</a:t>
-            </a:r>
-            <a:endParaRPr lang="en-US" sz="2400" dirty="0"/>
+              <a:t>.  Just like a regular zombie, but better.</a:t>
+            </a:r>
           </a:p>
         </p:txBody>
       </p:sp>
@@ -7282,12 +7208,8 @@
           <a:lstStyle/>
           <a:p>
             <a:r>
-              <a:rPr lang="en-US" sz="2400" dirty="0" smtClean="0"/>
-              <a:t>Double </a:t>
-            </a:r>
-            <a:r>
-              <a:rPr lang="en-US" sz="2400" dirty="0"/>
-              <a:t>click on the </a:t>
+              <a:rPr lang="en-US" sz="2400" dirty="0"/>
+              <a:t>Double click on the </a:t>
             </a:r>
             <a:r>
               <a:rPr lang="en-US" sz="1800" dirty="0" err="1">
@@ -7395,15 +7317,7 @@
             </a:pPr>
             <a:r>
               <a:rPr lang="en-US" sz="2400" dirty="0"/>
-              <a:t>When you double </a:t>
-            </a:r>
-            <a:r>
-              <a:rPr lang="en-US" sz="2400" dirty="0" smtClean="0"/>
-              <a:t>click </a:t>
-            </a:r>
-            <a:r>
-              <a:rPr lang="en-US" sz="2400" dirty="0"/>
-              <a:t>on the </a:t>
+              <a:t>When you double click on the </a:t>
             </a:r>
             <a:r>
               <a:rPr lang="en-US" sz="1800" dirty="0" err="1">
@@ -8072,15 +7986,7 @@
             </a:pPr>
             <a:r>
               <a:rPr lang="en-US" sz="2400" dirty="0"/>
-              <a:t>Let's </a:t>
-            </a:r>
-            <a:r>
-              <a:rPr lang="en-US" sz="2400" dirty="0" smtClean="0"/>
-              <a:t>take a closer look </a:t>
-            </a:r>
-            <a:r>
-              <a:rPr lang="en-US" sz="2400" dirty="0"/>
-              <a:t>at his plan:</a:t>
+              <a:t>Let's take a closer look at his plan:</a:t>
             </a:r>
           </a:p>
         </p:txBody>
@@ -8752,85 +8658,43 @@
               <a:buNone/>
             </a:pPr>
             <a:r>
-              <a:rPr lang="en-US" sz="2000" dirty="0" smtClean="0">
-                <a:latin typeface="OCRA" panose="02000509000000000000" pitchFamily="49" charset="0"/>
-              </a:rPr>
-              <a:t>24</a:t>
-            </a:r>
-            <a:r>
-              <a:rPr lang="en-US" sz="2000" dirty="0" smtClean="0">
-                <a:latin typeface="OCRA" panose="02000509000000000000" pitchFamily="49" charset="0"/>
-              </a:rPr>
-              <a:t>. </a:t>
-            </a:r>
-            <a:r>
               <a:rPr lang="en-US" sz="2000" dirty="0">
                 <a:latin typeface="OCRA" panose="02000509000000000000" pitchFamily="49" charset="0"/>
               </a:rPr>
-              <a:t>public void plan()</a:t>
-            </a:r>
-          </a:p>
-          <a:p>
-            <a:pPr marL="0" indent="0">
-              <a:buNone/>
-            </a:pPr>
-            <a:r>
-              <a:rPr lang="en-US" sz="2000" dirty="0" smtClean="0">
-                <a:latin typeface="OCRA" panose="02000509000000000000" pitchFamily="49" charset="0"/>
-              </a:rPr>
-              <a:t>25. </a:t>
-            </a:r>
+              <a:t>24. public void plan()</a:t>
+            </a:r>
+          </a:p>
+          <a:p>
+            <a:pPr marL="0" indent="0">
+              <a:buNone/>
+            </a:pPr>
             <a:r>
               <a:rPr lang="en-US" sz="2000" dirty="0">
                 <a:latin typeface="OCRA" panose="02000509000000000000" pitchFamily="49" charset="0"/>
               </a:rPr>
-              <a:t>{</a:t>
-            </a:r>
-          </a:p>
-          <a:p>
-            <a:pPr marL="0" indent="0">
-              <a:buNone/>
-            </a:pPr>
-            <a:r>
-              <a:rPr lang="en-US" sz="2000" dirty="0" smtClean="0">
-                <a:latin typeface="OCRA" panose="02000509000000000000" pitchFamily="49" charset="0"/>
-              </a:rPr>
-              <a:t>26</a:t>
-            </a:r>
-            <a:r>
-              <a:rPr lang="en-US" sz="2000" dirty="0" smtClean="0">
-                <a:latin typeface="OCRA" panose="02000509000000000000" pitchFamily="49" charset="0"/>
-              </a:rPr>
-              <a:t>.     </a:t>
-            </a:r>
+              <a:t>25. {</a:t>
+            </a:r>
+          </a:p>
+          <a:p>
+            <a:pPr marL="0" indent="0">
+              <a:buNone/>
+            </a:pPr>
             <a:r>
               <a:rPr lang="en-US" sz="2000" dirty="0">
                 <a:latin typeface="OCRA" panose="02000509000000000000" pitchFamily="49" charset="0"/>
               </a:rPr>
-              <a:t>move();</a:t>
-            </a:r>
-          </a:p>
-          <a:p>
-            <a:pPr marL="0" indent="0">
-              <a:buNone/>
-            </a:pPr>
-            <a:r>
-              <a:rPr lang="en-US" sz="2000" dirty="0" smtClean="0">
-                <a:latin typeface="OCRA" panose="02000509000000000000" pitchFamily="49" charset="0"/>
-              </a:rPr>
-              <a:t>27</a:t>
-            </a:r>
-            <a:r>
-              <a:rPr lang="en-US" sz="2000" dirty="0" smtClean="0">
-                <a:latin typeface="OCRA" panose="02000509000000000000" pitchFamily="49" charset="0"/>
-              </a:rPr>
-              <a:t>. </a:t>
-            </a:r>
+              <a:t>26.     move();</a:t>
+            </a:r>
+          </a:p>
+          <a:p>
+            <a:pPr marL="0" indent="0">
+              <a:buNone/>
+            </a:pPr>
             <a:r>
               <a:rPr lang="en-US" sz="2000" dirty="0">
                 <a:latin typeface="OCRA" panose="02000509000000000000" pitchFamily="49" charset="0"/>
               </a:rPr>
-              <a:t>}</a:t>
+              <a:t>27. }</a:t>
             </a:r>
           </a:p>
         </p:txBody>
@@ -9137,16 +9001,10 @@
               <a:buNone/>
             </a:pPr>
             <a:r>
-              <a:rPr lang="en-US" sz="2000" dirty="0" smtClean="0">
+              <a:rPr lang="en-US" sz="2000" dirty="0">
                 <a:latin typeface="OCRA" panose="02000509000000000000" pitchFamily="49" charset="0"/>
               </a:rPr>
-              <a:t>24</a:t>
-            </a:r>
-            <a:r>
-              <a:rPr lang="en-US" sz="2000" dirty="0" smtClean="0">
-                <a:latin typeface="OCRA" panose="02000509000000000000" pitchFamily="49" charset="0"/>
-              </a:rPr>
-              <a:t>. </a:t>
+              <a:t>24. </a:t>
             </a:r>
             <a:r>
               <a:rPr lang="en-US" sz="2000" dirty="0">
@@ -9166,62 +9024,32 @@
               <a:buNone/>
             </a:pPr>
             <a:r>
-              <a:rPr lang="en-US" sz="2000" dirty="0" smtClean="0">
-                <a:latin typeface="OCRA" panose="02000509000000000000" pitchFamily="49" charset="0"/>
-              </a:rPr>
-              <a:t>25. </a:t>
-            </a:r>
-            <a:r>
               <a:rPr lang="en-US" sz="2000" dirty="0">
                 <a:latin typeface="OCRA" panose="02000509000000000000" pitchFamily="49" charset="0"/>
               </a:rPr>
-              <a:t>{</a:t>
-            </a:r>
-          </a:p>
-          <a:p>
-            <a:pPr marL="0" indent="0">
-              <a:buNone/>
-            </a:pPr>
-            <a:r>
-              <a:rPr lang="en-US" sz="2000" dirty="0" smtClean="0">
-                <a:latin typeface="OCRA" panose="02000509000000000000" pitchFamily="49" charset="0"/>
-              </a:rPr>
-              <a:t>26</a:t>
-            </a:r>
-            <a:r>
-              <a:rPr lang="en-US" sz="2000" dirty="0" smtClean="0">
-                <a:latin typeface="OCRA" panose="02000509000000000000" pitchFamily="49" charset="0"/>
-              </a:rPr>
-              <a:t>.     </a:t>
-            </a:r>
+              <a:t>25. {</a:t>
+            </a:r>
+          </a:p>
+          <a:p>
+            <a:pPr marL="0" indent="0">
+              <a:buNone/>
+            </a:pPr>
             <a:r>
               <a:rPr lang="en-US" sz="2000" dirty="0">
                 <a:latin typeface="OCRA" panose="02000509000000000000" pitchFamily="49" charset="0"/>
               </a:rPr>
-              <a:t>move();</a:t>
-            </a:r>
-          </a:p>
-          <a:p>
-            <a:pPr marL="0" indent="0">
-              <a:buNone/>
-            </a:pPr>
-            <a:r>
-              <a:rPr lang="en-US" sz="2000" dirty="0" smtClean="0">
-                <a:latin typeface="OCRA" panose="02000509000000000000" pitchFamily="49" charset="0"/>
-              </a:rPr>
-              <a:t>27</a:t>
-            </a:r>
-            <a:r>
-              <a:rPr lang="en-US" sz="2000" dirty="0" smtClean="0">
-                <a:latin typeface="OCRA" panose="02000509000000000000" pitchFamily="49" charset="0"/>
-              </a:rPr>
-              <a:t>. </a:t>
-            </a:r>
+              <a:t>26.     move();</a:t>
+            </a:r>
+          </a:p>
+          <a:p>
+            <a:pPr marL="0" indent="0">
+              <a:buNone/>
+            </a:pPr>
             <a:r>
               <a:rPr lang="en-US" sz="2000" dirty="0">
                 <a:latin typeface="OCRA" panose="02000509000000000000" pitchFamily="49" charset="0"/>
               </a:rPr>
-              <a:t>}</a:t>
+              <a:t>27. }</a:t>
             </a:r>
           </a:p>
         </p:txBody>
@@ -9299,14 +9127,10 @@
             </a:r>
             <a:r>
               <a:rPr lang="en-US" sz="2400" dirty="0"/>
-              <a:t> means that anyone can tell Karl to follow this plan</a:t>
-            </a:r>
-            <a:r>
-              <a:rPr lang="en-US" sz="2400" dirty="0" smtClean="0"/>
-              <a:t>. Without the word </a:t>
-            </a:r>
-            <a:r>
-              <a:rPr lang="en-US" sz="1800" dirty="0" smtClean="0">
+              <a:t> means that anyone can tell Karl to follow this plan. Without the word </a:t>
+            </a:r>
+            <a:r>
+              <a:rPr lang="en-US" sz="1800" dirty="0">
                 <a:solidFill>
                   <a:srgbClr val="444026"/>
                 </a:solidFill>
@@ -9315,26 +9139,17 @@
               <a:t>public</a:t>
             </a:r>
             <a:r>
-              <a:rPr lang="en-US" sz="2400" dirty="0" smtClean="0"/>
-              <a:t>, Karl wouldn’t liste</a:t>
-            </a:r>
-            <a:r>
-              <a:rPr lang="en-US" sz="2400" dirty="0" smtClean="0"/>
-              <a:t>n to you when you click                 .</a:t>
-            </a:r>
-            <a:endParaRPr lang="en-US" sz="2400" dirty="0" smtClean="0"/>
-          </a:p>
-          <a:p>
-            <a:pPr marL="0" indent="0">
-              <a:buNone/>
-            </a:pPr>
-            <a:r>
-              <a:rPr lang="en-US" sz="2400" dirty="0" smtClean="0"/>
-              <a:t>Later </a:t>
-            </a:r>
-            <a:r>
-              <a:rPr lang="en-US" sz="2400" dirty="0"/>
-              <a:t>we'll see that there are some things that we don't want just anyone to be able to tell Karl to do, but for right now, we'll stick with making plans public.</a:t>
+              <a:rPr lang="en-US" sz="2400" dirty="0"/>
+              <a:t>, Karl wouldn’t listen to you when you click                 .</a:t>
+            </a:r>
+          </a:p>
+          <a:p>
+            <a:pPr marL="0" indent="0">
+              <a:buNone/>
+            </a:pPr>
+            <a:r>
+              <a:rPr lang="en-US" sz="2400" dirty="0"/>
+              <a:t>Later we'll see that there are some things that we don't want just anyone to be able to tell Karl to do, but for right now, we'll stick with making plans public.</a:t>
             </a:r>
           </a:p>
         </p:txBody>
@@ -9545,16 +9360,10 @@
               <a:buNone/>
             </a:pPr>
             <a:r>
-              <a:rPr lang="en-US" sz="2000" dirty="0" smtClean="0">
+              <a:rPr lang="en-US" sz="2000" dirty="0">
                 <a:latin typeface="OCRA" panose="02000509000000000000" pitchFamily="49" charset="0"/>
               </a:rPr>
-              <a:t>24</a:t>
-            </a:r>
-            <a:r>
-              <a:rPr lang="en-US" sz="2000" dirty="0" smtClean="0">
-                <a:latin typeface="OCRA" panose="02000509000000000000" pitchFamily="49" charset="0"/>
-              </a:rPr>
-              <a:t>. </a:t>
+              <a:t>24. </a:t>
             </a:r>
             <a:r>
               <a:rPr lang="en-US" sz="2000" dirty="0">
@@ -9580,62 +9389,32 @@
               <a:buNone/>
             </a:pPr>
             <a:r>
-              <a:rPr lang="en-US" sz="2000" dirty="0" smtClean="0">
-                <a:latin typeface="OCRA" panose="02000509000000000000" pitchFamily="49" charset="0"/>
-              </a:rPr>
-              <a:t>25. </a:t>
-            </a:r>
-            <a:r>
               <a:rPr lang="en-US" sz="2000" dirty="0">
                 <a:latin typeface="OCRA" panose="02000509000000000000" pitchFamily="49" charset="0"/>
               </a:rPr>
-              <a:t>{</a:t>
-            </a:r>
-          </a:p>
-          <a:p>
-            <a:pPr marL="0" indent="0">
-              <a:buNone/>
-            </a:pPr>
-            <a:r>
-              <a:rPr lang="en-US" sz="2000" dirty="0" smtClean="0">
-                <a:latin typeface="OCRA" panose="02000509000000000000" pitchFamily="49" charset="0"/>
-              </a:rPr>
-              <a:t>26</a:t>
-            </a:r>
-            <a:r>
-              <a:rPr lang="en-US" sz="2000" dirty="0" smtClean="0">
-                <a:latin typeface="OCRA" panose="02000509000000000000" pitchFamily="49" charset="0"/>
-              </a:rPr>
-              <a:t>.     </a:t>
-            </a:r>
+              <a:t>25. {</a:t>
+            </a:r>
+          </a:p>
+          <a:p>
+            <a:pPr marL="0" indent="0">
+              <a:buNone/>
+            </a:pPr>
             <a:r>
               <a:rPr lang="en-US" sz="2000" dirty="0">
                 <a:latin typeface="OCRA" panose="02000509000000000000" pitchFamily="49" charset="0"/>
               </a:rPr>
-              <a:t>move();</a:t>
-            </a:r>
-          </a:p>
-          <a:p>
-            <a:pPr marL="0" indent="0">
-              <a:buNone/>
-            </a:pPr>
-            <a:r>
-              <a:rPr lang="en-US" sz="2000" dirty="0" smtClean="0">
-                <a:latin typeface="OCRA" panose="02000509000000000000" pitchFamily="49" charset="0"/>
-              </a:rPr>
-              <a:t>27</a:t>
-            </a:r>
-            <a:r>
-              <a:rPr lang="en-US" sz="2000" dirty="0" smtClean="0">
-                <a:latin typeface="OCRA" panose="02000509000000000000" pitchFamily="49" charset="0"/>
-              </a:rPr>
-              <a:t>. </a:t>
-            </a:r>
+              <a:t>26.     move();</a:t>
+            </a:r>
+          </a:p>
+          <a:p>
+            <a:pPr marL="0" indent="0">
+              <a:buNone/>
+            </a:pPr>
             <a:r>
               <a:rPr lang="en-US" sz="2000" dirty="0">
                 <a:latin typeface="OCRA" panose="02000509000000000000" pitchFamily="49" charset="0"/>
               </a:rPr>
-              <a:t>}</a:t>
+              <a:t>27. }</a:t>
             </a:r>
           </a:p>
         </p:txBody>
@@ -9749,13 +9528,8 @@
             </a:r>
             <a:r>
               <a:rPr lang="en-US" sz="2400" dirty="0"/>
-              <a:t>, means that we don't expect Karl to give us anything back after he finishes the plan</a:t>
-            </a:r>
-            <a:r>
-              <a:rPr lang="en-US" sz="2400" dirty="0" smtClean="0"/>
-              <a:t>.</a:t>
-            </a:r>
-            <a:endParaRPr lang="en-US" sz="2400" dirty="0"/>
+              <a:t>, means that we don't expect Karl to give us anything back after he finishes the plan.</a:t>
+            </a:r>
           </a:p>
           <a:p>
             <a:pPr marL="0" indent="0">
@@ -9772,33 +9546,27 @@
             </a:pPr>
             <a:r>
               <a:rPr lang="en-US" sz="2400" dirty="0"/>
-              <a:t>That's how you get zombie germs</a:t>
-            </a:r>
-            <a:r>
-              <a:rPr lang="en-US" sz="2400" dirty="0" smtClean="0"/>
-              <a:t>.</a:t>
-            </a:r>
-            <a:endParaRPr lang="en-US" sz="2400" dirty="0"/>
-          </a:p>
-          <a:p>
-            <a:pPr marL="0" indent="0">
-              <a:buNone/>
-            </a:pPr>
-            <a:r>
-              <a:rPr lang="en-US" sz="2400" dirty="0" smtClean="0"/>
+              <a:t>That's how you get zombie germs.</a:t>
+            </a:r>
+          </a:p>
+          <a:p>
+            <a:pPr marL="0" indent="0">
+              <a:buNone/>
+            </a:pPr>
+            <a:r>
+              <a:rPr lang="en-US" sz="2400" dirty="0"/>
               <a:t>Make sure that </a:t>
             </a:r>
             <a:r>
-              <a:rPr lang="en-US" sz="1800" dirty="0" smtClean="0">
+              <a:rPr lang="en-US" sz="1800" dirty="0">
                 <a:latin typeface="OCRA" panose="02000509000000000000"/>
               </a:rPr>
               <a:t>void</a:t>
             </a:r>
             <a:r>
-              <a:rPr lang="en-US" sz="2400" dirty="0" smtClean="0"/>
+              <a:rPr lang="en-US" sz="2400" dirty="0"/>
               <a:t> is there... I don’t want zombie germs.</a:t>
             </a:r>
-            <a:endParaRPr lang="en-US" sz="2400" dirty="0"/>
           </a:p>
         </p:txBody>
       </p:sp>
@@ -10008,22 +9776,10 @@
               <a:buNone/>
             </a:pPr>
             <a:r>
-              <a:rPr lang="en-US" sz="2000" dirty="0" smtClean="0">
-                <a:latin typeface="OCRA" panose="02000509000000000000" pitchFamily="49" charset="0"/>
-              </a:rPr>
-              <a:t>24</a:t>
-            </a:r>
-            <a:r>
-              <a:rPr lang="en-US" sz="2000" dirty="0" smtClean="0">
-                <a:latin typeface="OCRA" panose="02000509000000000000" pitchFamily="49" charset="0"/>
-              </a:rPr>
-              <a:t>. </a:t>
-            </a:r>
-            <a:r>
               <a:rPr lang="en-US" sz="2000" dirty="0">
                 <a:latin typeface="OCRA" panose="02000509000000000000" pitchFamily="49" charset="0"/>
               </a:rPr>
-              <a:t>public </a:t>
+              <a:t>24. public </a:t>
             </a:r>
             <a:r>
               <a:rPr lang="en-US" sz="2000" dirty="0">
@@ -10049,68 +9805,32 @@
               <a:buNone/>
             </a:pPr>
             <a:r>
-              <a:rPr lang="en-US" sz="2000" dirty="0" smtClean="0">
-                <a:latin typeface="OCRA" panose="02000509000000000000" pitchFamily="49" charset="0"/>
-              </a:rPr>
-              <a:t>25</a:t>
-            </a:r>
-            <a:r>
-              <a:rPr lang="en-US" sz="2000" dirty="0" smtClean="0">
-                <a:latin typeface="OCRA" panose="02000509000000000000" pitchFamily="49" charset="0"/>
-              </a:rPr>
-              <a:t>. </a:t>
-            </a:r>
-            <a:r>
               <a:rPr lang="en-US" sz="2000" dirty="0">
                 <a:latin typeface="OCRA" panose="02000509000000000000" pitchFamily="49" charset="0"/>
               </a:rPr>
-              <a:t>{</a:t>
-            </a:r>
-          </a:p>
-          <a:p>
-            <a:pPr marL="0" indent="0">
-              <a:buNone/>
-            </a:pPr>
-            <a:r>
-              <a:rPr lang="en-US" sz="2000" dirty="0" smtClean="0">
-                <a:latin typeface="OCRA" panose="02000509000000000000" pitchFamily="49" charset="0"/>
-              </a:rPr>
-              <a:t>26</a:t>
-            </a:r>
-            <a:r>
-              <a:rPr lang="en-US" sz="2000" dirty="0" smtClean="0">
-                <a:latin typeface="OCRA" panose="02000509000000000000" pitchFamily="49" charset="0"/>
-              </a:rPr>
-              <a:t>.     </a:t>
-            </a:r>
+              <a:t>25. {</a:t>
+            </a:r>
+          </a:p>
+          <a:p>
+            <a:pPr marL="0" indent="0">
+              <a:buNone/>
+            </a:pPr>
             <a:r>
               <a:rPr lang="en-US" sz="2000" dirty="0">
                 <a:latin typeface="OCRA" panose="02000509000000000000" pitchFamily="49" charset="0"/>
               </a:rPr>
-              <a:t>move();</a:t>
-            </a:r>
-          </a:p>
-          <a:p>
-            <a:pPr marL="0" indent="0">
-              <a:buNone/>
-            </a:pPr>
-            <a:r>
-              <a:rPr lang="en-US" sz="2000" dirty="0" smtClean="0">
-                <a:latin typeface="OCRA" panose="02000509000000000000" pitchFamily="49" charset="0"/>
-              </a:rPr>
-              <a:t>27</a:t>
-            </a:r>
-            <a:r>
-              <a:rPr lang="en-US" sz="2000" dirty="0" smtClean="0">
-                <a:latin typeface="OCRA" panose="02000509000000000000" pitchFamily="49" charset="0"/>
-              </a:rPr>
-              <a:t>. </a:t>
-            </a:r>
+              <a:t>26.     move();</a:t>
+            </a:r>
+          </a:p>
+          <a:p>
+            <a:pPr marL="0" indent="0">
+              <a:buNone/>
+            </a:pPr>
             <a:r>
               <a:rPr lang="en-US" sz="2000" dirty="0">
                 <a:latin typeface="OCRA" panose="02000509000000000000" pitchFamily="49" charset="0"/>
               </a:rPr>
-              <a:t>}</a:t>
+              <a:t>27. }</a:t>
             </a:r>
           </a:p>
         </p:txBody>
@@ -10229,20 +9949,8 @@
               <a:buNone/>
             </a:pPr>
             <a:r>
-              <a:rPr lang="en-US" sz="2400" dirty="0" smtClean="0"/>
-              <a:t>For </a:t>
-            </a:r>
-            <a:r>
-              <a:rPr lang="en-US" sz="2400" dirty="0"/>
-              <a:t>now we'll leave </a:t>
-            </a:r>
-            <a:r>
-              <a:rPr lang="en-US" sz="2400" dirty="0" smtClean="0"/>
-              <a:t>the parentheses empty, </a:t>
-            </a:r>
-            <a:r>
-              <a:rPr lang="en-US" sz="2400" dirty="0"/>
-              <a:t>but they need to be there.</a:t>
+              <a:rPr lang="en-US" sz="2400" dirty="0"/>
+              <a:t>For now we'll leave the parentheses empty, but they need to be there.</a:t>
             </a:r>
           </a:p>
         </p:txBody>
@@ -10453,22 +10161,10 @@
               <a:buNone/>
             </a:pPr>
             <a:r>
-              <a:rPr lang="en-US" sz="2000" dirty="0" smtClean="0">
-                <a:latin typeface="OCRA" panose="02000509000000000000" pitchFamily="49" charset="0"/>
-              </a:rPr>
-              <a:t>24</a:t>
-            </a:r>
-            <a:r>
-              <a:rPr lang="en-US" sz="2000" dirty="0" smtClean="0">
-                <a:latin typeface="OCRA" panose="02000509000000000000" pitchFamily="49" charset="0"/>
-              </a:rPr>
-              <a:t>. </a:t>
-            </a:r>
-            <a:r>
               <a:rPr lang="en-US" sz="2000" dirty="0">
                 <a:latin typeface="OCRA" panose="02000509000000000000" pitchFamily="49" charset="0"/>
               </a:rPr>
-              <a:t>public void </a:t>
+              <a:t>24. public void </a:t>
             </a:r>
             <a:r>
               <a:rPr lang="en-US" sz="2000" dirty="0">
@@ -10488,68 +10184,32 @@
               <a:buNone/>
             </a:pPr>
             <a:r>
-              <a:rPr lang="en-US" sz="2000" dirty="0" smtClean="0">
-                <a:latin typeface="OCRA" panose="02000509000000000000" pitchFamily="49" charset="0"/>
-              </a:rPr>
-              <a:t>25</a:t>
-            </a:r>
-            <a:r>
-              <a:rPr lang="en-US" sz="2000" dirty="0" smtClean="0">
-                <a:latin typeface="OCRA" panose="02000509000000000000" pitchFamily="49" charset="0"/>
-              </a:rPr>
-              <a:t>. </a:t>
-            </a:r>
-            <a:r>
               <a:rPr lang="en-US" sz="2000" dirty="0">
                 <a:latin typeface="OCRA" panose="02000509000000000000" pitchFamily="49" charset="0"/>
               </a:rPr>
-              <a:t>{</a:t>
-            </a:r>
-          </a:p>
-          <a:p>
-            <a:pPr marL="0" indent="0">
-              <a:buNone/>
-            </a:pPr>
-            <a:r>
-              <a:rPr lang="en-US" sz="2000" dirty="0" smtClean="0">
-                <a:latin typeface="OCRA" panose="02000509000000000000" pitchFamily="49" charset="0"/>
-              </a:rPr>
-              <a:t>26</a:t>
-            </a:r>
-            <a:r>
-              <a:rPr lang="en-US" sz="2000" dirty="0" smtClean="0">
-                <a:latin typeface="OCRA" panose="02000509000000000000" pitchFamily="49" charset="0"/>
-              </a:rPr>
-              <a:t>.     </a:t>
-            </a:r>
+              <a:t>25. {</a:t>
+            </a:r>
+          </a:p>
+          <a:p>
+            <a:pPr marL="0" indent="0">
+              <a:buNone/>
+            </a:pPr>
             <a:r>
               <a:rPr lang="en-US" sz="2000" dirty="0">
                 <a:latin typeface="OCRA" panose="02000509000000000000" pitchFamily="49" charset="0"/>
               </a:rPr>
-              <a:t>move();</a:t>
-            </a:r>
-          </a:p>
-          <a:p>
-            <a:pPr marL="0" indent="0">
-              <a:buNone/>
-            </a:pPr>
-            <a:r>
-              <a:rPr lang="en-US" sz="2000" dirty="0" smtClean="0">
-                <a:latin typeface="OCRA" panose="02000509000000000000" pitchFamily="49" charset="0"/>
-              </a:rPr>
-              <a:t>27</a:t>
-            </a:r>
-            <a:r>
-              <a:rPr lang="en-US" sz="2000" dirty="0" smtClean="0">
-                <a:latin typeface="OCRA" panose="02000509000000000000" pitchFamily="49" charset="0"/>
-              </a:rPr>
-              <a:t>. </a:t>
-            </a:r>
+              <a:t>26.     move();</a:t>
+            </a:r>
+          </a:p>
+          <a:p>
+            <a:pPr marL="0" indent="0">
+              <a:buNone/>
+            </a:pPr>
             <a:r>
               <a:rPr lang="en-US" sz="2000" dirty="0">
                 <a:latin typeface="OCRA" panose="02000509000000000000" pitchFamily="49" charset="0"/>
               </a:rPr>
-              <a:t>}</a:t>
+              <a:t>27. }</a:t>
             </a:r>
           </a:p>
         </p:txBody>
@@ -10846,85 +10506,43 @@
               <a:buNone/>
             </a:pPr>
             <a:r>
-              <a:rPr lang="en-US" sz="2000" dirty="0" smtClean="0">
-                <a:latin typeface="OCRA" panose="02000509000000000000" pitchFamily="49" charset="0"/>
-              </a:rPr>
-              <a:t>24</a:t>
-            </a:r>
-            <a:r>
-              <a:rPr lang="en-US" sz="2000" dirty="0" smtClean="0">
-                <a:latin typeface="OCRA" panose="02000509000000000000" pitchFamily="49" charset="0"/>
-              </a:rPr>
-              <a:t>. </a:t>
-            </a:r>
-            <a:r>
               <a:rPr lang="en-US" sz="2000" dirty="0">
                 <a:latin typeface="OCRA" panose="02000509000000000000" pitchFamily="49" charset="0"/>
               </a:rPr>
-              <a:t>public void plan()</a:t>
-            </a:r>
-          </a:p>
-          <a:p>
-            <a:pPr marL="0" indent="0">
-              <a:buNone/>
-            </a:pPr>
-            <a:r>
-              <a:rPr lang="en-US" sz="2000" dirty="0" smtClean="0">
-                <a:latin typeface="OCRA" panose="02000509000000000000" pitchFamily="49" charset="0"/>
-              </a:rPr>
-              <a:t>25. </a:t>
-            </a:r>
+              <a:t>24. public void plan()</a:t>
+            </a:r>
+          </a:p>
+          <a:p>
+            <a:pPr marL="0" indent="0">
+              <a:buNone/>
+            </a:pPr>
             <a:r>
               <a:rPr lang="en-US" sz="2000" dirty="0">
                 <a:latin typeface="OCRA" panose="02000509000000000000" pitchFamily="49" charset="0"/>
               </a:rPr>
-              <a:t>{</a:t>
-            </a:r>
-          </a:p>
-          <a:p>
-            <a:pPr marL="0" indent="0">
-              <a:buNone/>
-            </a:pPr>
-            <a:r>
-              <a:rPr lang="en-US" sz="2000" dirty="0" smtClean="0">
-                <a:latin typeface="OCRA" panose="02000509000000000000" pitchFamily="49" charset="0"/>
-              </a:rPr>
-              <a:t>26</a:t>
-            </a:r>
-            <a:r>
-              <a:rPr lang="en-US" sz="2000" dirty="0" smtClean="0">
-                <a:latin typeface="OCRA" panose="02000509000000000000" pitchFamily="49" charset="0"/>
-              </a:rPr>
-              <a:t>.     </a:t>
-            </a:r>
+              <a:t>25. {</a:t>
+            </a:r>
+          </a:p>
+          <a:p>
+            <a:pPr marL="0" indent="0">
+              <a:buNone/>
+            </a:pPr>
             <a:r>
               <a:rPr lang="en-US" sz="2000" dirty="0">
                 <a:latin typeface="OCRA" panose="02000509000000000000" pitchFamily="49" charset="0"/>
               </a:rPr>
-              <a:t>move();</a:t>
-            </a:r>
-          </a:p>
-          <a:p>
-            <a:pPr marL="0" indent="0">
-              <a:buNone/>
-            </a:pPr>
-            <a:r>
-              <a:rPr lang="en-US" sz="2000" dirty="0" smtClean="0">
-                <a:latin typeface="OCRA" panose="02000509000000000000" pitchFamily="49" charset="0"/>
-              </a:rPr>
-              <a:t>27</a:t>
-            </a:r>
-            <a:r>
-              <a:rPr lang="en-US" sz="2000" dirty="0" smtClean="0">
-                <a:latin typeface="OCRA" panose="02000509000000000000" pitchFamily="49" charset="0"/>
-              </a:rPr>
-              <a:t>. </a:t>
-            </a:r>
+              <a:t>26.     move();</a:t>
+            </a:r>
+          </a:p>
+          <a:p>
+            <a:pPr marL="0" indent="0">
+              <a:buNone/>
+            </a:pPr>
             <a:r>
               <a:rPr lang="en-US" sz="2000" dirty="0">
                 <a:latin typeface="OCRA" panose="02000509000000000000" pitchFamily="49" charset="0"/>
               </a:rPr>
-              <a:t>}</a:t>
+              <a:t>27. }</a:t>
             </a:r>
           </a:p>
         </p:txBody>
@@ -11030,40 +10648,16 @@
             </a:pPr>
             <a:r>
               <a:rPr lang="en-US" sz="2400" dirty="0"/>
-              <a:t>Karl knows that </a:t>
-            </a:r>
-            <a:r>
-              <a:rPr lang="en-US" sz="2400" dirty="0" smtClean="0"/>
-              <a:t>whatever lines are </a:t>
-            </a:r>
-            <a:r>
-              <a:rPr lang="en-US" sz="2400" dirty="0"/>
-              <a:t>between </a:t>
-            </a:r>
-            <a:r>
-              <a:rPr lang="en-US" sz="2400" dirty="0" smtClean="0"/>
-              <a:t>those curly brackets </a:t>
-            </a:r>
-            <a:r>
-              <a:rPr lang="en-US" sz="2400" dirty="0"/>
-              <a:t>are steps of his plan. </a:t>
-            </a:r>
-          </a:p>
-          <a:p>
-            <a:pPr marL="0" indent="0">
-              <a:buNone/>
-            </a:pPr>
-            <a:r>
-              <a:rPr lang="en-US" sz="2400" dirty="0"/>
-              <a:t>Any lines before or after these curly braces might be important, but when Karl is looking for steps in the plan, he will only look between </a:t>
-            </a:r>
-            <a:r>
-              <a:rPr lang="en-US" sz="2400" dirty="0" smtClean="0"/>
-              <a:t>this pair of </a:t>
-            </a:r>
-            <a:r>
-              <a:rPr lang="en-US" sz="2400" dirty="0"/>
-              <a:t>braces. </a:t>
+              <a:t>Karl knows that whatever lines are between those curly brackets are steps of his plan. </a:t>
+            </a:r>
+          </a:p>
+          <a:p>
+            <a:pPr marL="0" indent="0">
+              <a:buNone/>
+            </a:pPr>
+            <a:r>
+              <a:rPr lang="en-US" sz="2400" dirty="0"/>
+              <a:t>Any lines before or after these curly braces might be important, but when Karl is looking for steps in the plan, he will only look between this pair of braces. </a:t>
             </a:r>
           </a:p>
           <a:p>
@@ -11283,30 +10877,18 @@
               <a:buNone/>
             </a:pPr>
             <a:r>
-              <a:rPr lang="en-US" sz="2000" dirty="0" smtClean="0">
-                <a:latin typeface="OCRA" panose="02000509000000000000" pitchFamily="49" charset="0"/>
-              </a:rPr>
-              <a:t>24</a:t>
-            </a:r>
-            <a:r>
-              <a:rPr lang="en-US" sz="2000" dirty="0" smtClean="0">
-                <a:latin typeface="OCRA" panose="02000509000000000000" pitchFamily="49" charset="0"/>
-              </a:rPr>
-              <a:t>. </a:t>
-            </a:r>
-            <a:r>
               <a:rPr lang="en-US" sz="2000" dirty="0">
                 <a:latin typeface="OCRA" panose="02000509000000000000" pitchFamily="49" charset="0"/>
               </a:rPr>
-              <a:t>public void plan()</a:t>
-            </a:r>
-          </a:p>
-          <a:p>
-            <a:pPr marL="0" indent="0">
-              <a:buNone/>
-            </a:pPr>
-            <a:r>
-              <a:rPr lang="en-US" sz="2000" dirty="0" smtClean="0">
+              <a:t>24. public void plan()</a:t>
+            </a:r>
+          </a:p>
+          <a:p>
+            <a:pPr marL="0" indent="0">
+              <a:buNone/>
+            </a:pPr>
+            <a:r>
+              <a:rPr lang="en-US" sz="2000" dirty="0">
                 <a:latin typeface="OCRA" panose="02000509000000000000" pitchFamily="49" charset="0"/>
               </a:rPr>
               <a:t>25. </a:t>
@@ -11329,39 +10911,21 @@
               <a:buNone/>
             </a:pPr>
             <a:r>
-              <a:rPr lang="en-US" sz="2000" dirty="0" smtClean="0">
-                <a:latin typeface="OCRA" panose="02000509000000000000" pitchFamily="49" charset="0"/>
-              </a:rPr>
-              <a:t>26</a:t>
-            </a:r>
-            <a:r>
-              <a:rPr lang="en-US" sz="2000" dirty="0" smtClean="0">
-                <a:latin typeface="OCRA" panose="02000509000000000000" pitchFamily="49" charset="0"/>
-              </a:rPr>
-              <a:t>.     </a:t>
-            </a:r>
-            <a:r>
               <a:rPr lang="en-US" sz="2000" dirty="0">
                 <a:latin typeface="OCRA" panose="02000509000000000000" pitchFamily="49" charset="0"/>
               </a:rPr>
-              <a:t>move();</a:t>
-            </a:r>
-          </a:p>
-          <a:p>
-            <a:pPr marL="0" indent="0">
-              <a:buNone/>
-            </a:pPr>
-            <a:r>
-              <a:rPr lang="en-US" sz="2000" dirty="0" smtClean="0">
+              <a:t>26.     move();</a:t>
+            </a:r>
+          </a:p>
+          <a:p>
+            <a:pPr marL="0" indent="0">
+              <a:buNone/>
+            </a:pPr>
+            <a:r>
+              <a:rPr lang="en-US" sz="2000" dirty="0">
                 <a:latin typeface="OCRA" panose="02000509000000000000" pitchFamily="49" charset="0"/>
               </a:rPr>
-              <a:t>27</a:t>
-            </a:r>
-            <a:r>
-              <a:rPr lang="en-US" sz="2000" dirty="0" smtClean="0">
-                <a:latin typeface="OCRA" panose="02000509000000000000" pitchFamily="49" charset="0"/>
-              </a:rPr>
-              <a:t>. </a:t>
+              <a:t>27. </a:t>
             </a:r>
             <a:r>
               <a:rPr lang="en-US" sz="2000" dirty="0">
@@ -11678,85 +11242,43 @@
               <a:buNone/>
             </a:pPr>
             <a:r>
-              <a:rPr lang="en-US" sz="2000" dirty="0" smtClean="0">
-                <a:latin typeface="OCRA" panose="02000509000000000000" pitchFamily="49" charset="0"/>
-              </a:rPr>
-              <a:t>24</a:t>
-            </a:r>
-            <a:r>
-              <a:rPr lang="en-US" sz="2000" dirty="0" smtClean="0">
-                <a:latin typeface="OCRA" panose="02000509000000000000" pitchFamily="49" charset="0"/>
-              </a:rPr>
-              <a:t>. </a:t>
-            </a:r>
-            <a:r>
               <a:rPr lang="en-US" sz="2000" dirty="0">
                 <a:latin typeface="OCRA" panose="02000509000000000000" pitchFamily="49" charset="0"/>
               </a:rPr>
-              <a:t>public void plan()</a:t>
-            </a:r>
-          </a:p>
-          <a:p>
-            <a:pPr marL="0" indent="0">
-              <a:buNone/>
-            </a:pPr>
-            <a:r>
-              <a:rPr lang="en-US" sz="2000" dirty="0" smtClean="0">
-                <a:latin typeface="OCRA" panose="02000509000000000000" pitchFamily="49" charset="0"/>
-              </a:rPr>
-              <a:t>25. </a:t>
-            </a:r>
+              <a:t>24. public void plan()</a:t>
+            </a:r>
+          </a:p>
+          <a:p>
+            <a:pPr marL="0" indent="0">
+              <a:buNone/>
+            </a:pPr>
             <a:r>
               <a:rPr lang="en-US" sz="2000" dirty="0">
                 <a:latin typeface="OCRA" panose="02000509000000000000" pitchFamily="49" charset="0"/>
               </a:rPr>
-              <a:t>{</a:t>
-            </a:r>
-          </a:p>
-          <a:p>
-            <a:pPr marL="0" indent="0">
-              <a:buNone/>
-            </a:pPr>
-            <a:r>
-              <a:rPr lang="en-US" sz="2000" dirty="0" smtClean="0">
-                <a:latin typeface="OCRA" panose="02000509000000000000" pitchFamily="49" charset="0"/>
-              </a:rPr>
-              <a:t>26</a:t>
-            </a:r>
-            <a:r>
-              <a:rPr lang="en-US" sz="2000" dirty="0" smtClean="0">
-                <a:latin typeface="OCRA" panose="02000509000000000000" pitchFamily="49" charset="0"/>
-              </a:rPr>
-              <a:t>.     </a:t>
-            </a:r>
+              <a:t>25. {</a:t>
+            </a:r>
+          </a:p>
+          <a:p>
+            <a:pPr marL="0" indent="0">
+              <a:buNone/>
+            </a:pPr>
             <a:r>
               <a:rPr lang="en-US" sz="2000" dirty="0">
                 <a:latin typeface="OCRA" panose="02000509000000000000" pitchFamily="49" charset="0"/>
               </a:rPr>
-              <a:t>move();</a:t>
-            </a:r>
-          </a:p>
-          <a:p>
-            <a:pPr marL="0" indent="0">
-              <a:buNone/>
-            </a:pPr>
-            <a:r>
-              <a:rPr lang="en-US" sz="2000" dirty="0" smtClean="0">
-                <a:latin typeface="OCRA" panose="02000509000000000000" pitchFamily="49" charset="0"/>
-              </a:rPr>
-              <a:t>27</a:t>
-            </a:r>
-            <a:r>
-              <a:rPr lang="en-US" sz="2000" dirty="0" smtClean="0">
-                <a:latin typeface="OCRA" panose="02000509000000000000" pitchFamily="49" charset="0"/>
-              </a:rPr>
-              <a:t>. </a:t>
-            </a:r>
+              <a:t>26.     move();</a:t>
+            </a:r>
+          </a:p>
+          <a:p>
+            <a:pPr marL="0" indent="0">
+              <a:buNone/>
+            </a:pPr>
             <a:r>
               <a:rPr lang="en-US" sz="2000" dirty="0">
                 <a:latin typeface="OCRA" panose="02000509000000000000" pitchFamily="49" charset="0"/>
               </a:rPr>
-              <a:t>}</a:t>
+              <a:t>27. }</a:t>
             </a:r>
           </a:p>
         </p:txBody>
@@ -12148,62 +11670,32 @@
               <a:buNone/>
             </a:pPr>
             <a:r>
-              <a:rPr lang="en-US" sz="2000" dirty="0" smtClean="0">
-                <a:latin typeface="OCRA" panose="02000509000000000000" pitchFamily="49" charset="0"/>
-              </a:rPr>
-              <a:t>24</a:t>
-            </a:r>
-            <a:r>
-              <a:rPr lang="en-US" sz="2000" dirty="0" smtClean="0">
-                <a:latin typeface="OCRA" panose="02000509000000000000" pitchFamily="49" charset="0"/>
-              </a:rPr>
-              <a:t>. </a:t>
-            </a:r>
-            <a:r>
               <a:rPr lang="en-US" sz="2000" dirty="0">
                 <a:latin typeface="OCRA" panose="02000509000000000000" pitchFamily="49" charset="0"/>
               </a:rPr>
-              <a:t>public void plan()</a:t>
-            </a:r>
-          </a:p>
-          <a:p>
-            <a:pPr marL="0" indent="0">
-              <a:buNone/>
-            </a:pPr>
-            <a:r>
-              <a:rPr lang="en-US" sz="2000" dirty="0" smtClean="0">
-                <a:latin typeface="OCRA" panose="02000509000000000000" pitchFamily="49" charset="0"/>
-              </a:rPr>
-              <a:t>25</a:t>
-            </a:r>
-            <a:r>
-              <a:rPr lang="en-US" sz="2000" dirty="0" smtClean="0">
-                <a:latin typeface="OCRA" panose="02000509000000000000" pitchFamily="49" charset="0"/>
-              </a:rPr>
-              <a:t>. </a:t>
-            </a:r>
+              <a:t>24. public void plan()</a:t>
+            </a:r>
+          </a:p>
+          <a:p>
+            <a:pPr marL="0" indent="0">
+              <a:buNone/>
+            </a:pPr>
             <a:r>
               <a:rPr lang="en-US" sz="2000" dirty="0">
                 <a:latin typeface="OCRA" panose="02000509000000000000" pitchFamily="49" charset="0"/>
               </a:rPr>
-              <a:t>{</a:t>
-            </a:r>
-          </a:p>
-          <a:p>
-            <a:pPr marL="0" indent="0">
-              <a:buNone/>
-            </a:pPr>
-            <a:r>
-              <a:rPr lang="en-US" sz="2000" dirty="0" smtClean="0">
+              <a:t>25. {</a:t>
+            </a:r>
+          </a:p>
+          <a:p>
+            <a:pPr marL="0" indent="0">
+              <a:buNone/>
+            </a:pPr>
+            <a:r>
+              <a:rPr lang="en-US" sz="2000" dirty="0">
                 <a:latin typeface="OCRA" panose="02000509000000000000" pitchFamily="49" charset="0"/>
               </a:rPr>
-              <a:t>26</a:t>
-            </a:r>
-            <a:r>
-              <a:rPr lang="en-US" sz="2000" dirty="0" smtClean="0">
-                <a:latin typeface="OCRA" panose="02000509000000000000" pitchFamily="49" charset="0"/>
-              </a:rPr>
-              <a:t>.     </a:t>
+              <a:t>26.     </a:t>
             </a:r>
             <a:r>
               <a:rPr lang="en-US" sz="2000" dirty="0">
@@ -12229,22 +11721,10 @@
               <a:buNone/>
             </a:pPr>
             <a:r>
-              <a:rPr lang="en-US" sz="2000" dirty="0" smtClean="0">
-                <a:latin typeface="OCRA" panose="02000509000000000000" pitchFamily="49" charset="0"/>
-              </a:rPr>
-              <a:t>27</a:t>
-            </a:r>
-            <a:r>
-              <a:rPr lang="en-US" sz="2000" dirty="0" smtClean="0">
-                <a:latin typeface="OCRA" panose="02000509000000000000" pitchFamily="49" charset="0"/>
-              </a:rPr>
-              <a:t>. </a:t>
-            </a:r>
-            <a:r>
               <a:rPr lang="en-US" sz="2000" dirty="0">
                 <a:latin typeface="OCRA" panose="02000509000000000000" pitchFamily="49" charset="0"/>
               </a:rPr>
-              <a:t>}</a:t>
+              <a:t>27. }</a:t>
             </a:r>
           </a:p>
         </p:txBody>
@@ -12378,11 +11858,7 @@
             </a:pPr>
             <a:r>
               <a:rPr lang="en-US" sz="2400" dirty="0"/>
-              <a:t>Again, they have to be there even though they are empty</a:t>
-            </a:r>
-            <a:r>
-              <a:rPr lang="en-US" sz="2400" dirty="0" smtClean="0"/>
-              <a:t>.</a:t>
+              <a:t>Again, they have to be there even though they are empty.</a:t>
             </a:r>
           </a:p>
         </p:txBody>
@@ -12593,62 +12069,32 @@
               <a:buNone/>
             </a:pPr>
             <a:r>
-              <a:rPr lang="en-US" sz="2000" dirty="0" smtClean="0">
-                <a:latin typeface="OCRA" panose="02000509000000000000" pitchFamily="49" charset="0"/>
-              </a:rPr>
-              <a:t>24</a:t>
-            </a:r>
-            <a:r>
-              <a:rPr lang="en-US" sz="2000" dirty="0" smtClean="0">
-                <a:latin typeface="OCRA" panose="02000509000000000000" pitchFamily="49" charset="0"/>
-              </a:rPr>
-              <a:t>. </a:t>
-            </a:r>
-            <a:r>
               <a:rPr lang="en-US" sz="2000" dirty="0">
                 <a:latin typeface="OCRA" panose="02000509000000000000" pitchFamily="49" charset="0"/>
               </a:rPr>
-              <a:t>public void plan()</a:t>
-            </a:r>
-          </a:p>
-          <a:p>
-            <a:pPr marL="0" indent="0">
-              <a:buNone/>
-            </a:pPr>
-            <a:r>
-              <a:rPr lang="en-US" sz="2000" dirty="0" smtClean="0">
-                <a:latin typeface="OCRA" panose="02000509000000000000" pitchFamily="49" charset="0"/>
-              </a:rPr>
-              <a:t>25. </a:t>
-            </a:r>
+              <a:t>24. public void plan()</a:t>
+            </a:r>
+          </a:p>
+          <a:p>
+            <a:pPr marL="0" indent="0">
+              <a:buNone/>
+            </a:pPr>
             <a:r>
               <a:rPr lang="en-US" sz="2000" dirty="0">
                 <a:latin typeface="OCRA" panose="02000509000000000000" pitchFamily="49" charset="0"/>
               </a:rPr>
-              <a:t>{</a:t>
-            </a:r>
-          </a:p>
-          <a:p>
-            <a:pPr marL="0" indent="0">
-              <a:buNone/>
-            </a:pPr>
-            <a:r>
-              <a:rPr lang="en-US" sz="2000" dirty="0" smtClean="0">
-                <a:latin typeface="OCRA" panose="02000509000000000000" pitchFamily="49" charset="0"/>
-              </a:rPr>
-              <a:t>26</a:t>
-            </a:r>
-            <a:r>
-              <a:rPr lang="en-US" sz="2000" dirty="0" smtClean="0">
-                <a:latin typeface="OCRA" panose="02000509000000000000" pitchFamily="49" charset="0"/>
-              </a:rPr>
-              <a:t>.     </a:t>
-            </a:r>
+              <a:t>25. {</a:t>
+            </a:r>
+          </a:p>
+          <a:p>
+            <a:pPr marL="0" indent="0">
+              <a:buNone/>
+            </a:pPr>
             <a:r>
               <a:rPr lang="en-US" sz="2000" dirty="0">
                 <a:latin typeface="OCRA" panose="02000509000000000000" pitchFamily="49" charset="0"/>
               </a:rPr>
-              <a:t>move</a:t>
+              <a:t>26.     move</a:t>
             </a:r>
             <a:r>
               <a:rPr lang="en-US" sz="2000" dirty="0">
@@ -12674,22 +12120,10 @@
               <a:buNone/>
             </a:pPr>
             <a:r>
-              <a:rPr lang="en-US" sz="2000" dirty="0" smtClean="0">
-                <a:latin typeface="OCRA" panose="02000509000000000000" pitchFamily="49" charset="0"/>
-              </a:rPr>
-              <a:t>27</a:t>
-            </a:r>
-            <a:r>
-              <a:rPr lang="en-US" sz="2000" dirty="0" smtClean="0">
-                <a:latin typeface="OCRA" panose="02000509000000000000" pitchFamily="49" charset="0"/>
-              </a:rPr>
-              <a:t>. </a:t>
-            </a:r>
-            <a:r>
               <a:rPr lang="en-US" sz="2000" dirty="0">
                 <a:latin typeface="OCRA" panose="02000509000000000000" pitchFamily="49" charset="0"/>
               </a:rPr>
-              <a:t>}</a:t>
+              <a:t>27. }</a:t>
             </a:r>
           </a:p>
         </p:txBody>
@@ -12756,7 +12190,7 @@
               <a:buNone/>
             </a:pPr>
             <a:r>
-              <a:rPr lang="en-US" sz="2400" dirty="0" smtClean="0"/>
+              <a:rPr lang="en-US" sz="2400" dirty="0"/>
               <a:t>You can think of parentheses like this as telling Karl to do something.</a:t>
             </a:r>
           </a:p>
@@ -12765,20 +12199,19 @@
               <a:buNone/>
             </a:pPr>
             <a:r>
-              <a:rPr lang="en-US" sz="2400" dirty="0" smtClean="0"/>
+              <a:rPr lang="en-US" sz="2400" dirty="0"/>
               <a:t>If there are no parentheses, Karl won’t know that </a:t>
             </a:r>
             <a:r>
-              <a:rPr lang="en-US" sz="1800" dirty="0" smtClean="0">
+              <a:rPr lang="en-US" sz="1800" dirty="0">
                 <a:latin typeface="OCRA" panose="02000509000000000000"/>
               </a:rPr>
               <a:t>move</a:t>
             </a:r>
             <a:r>
-              <a:rPr lang="en-US" sz="2400" dirty="0" smtClean="0"/>
+              <a:rPr lang="en-US" sz="2400" dirty="0"/>
               <a:t> is a command.</a:t>
             </a:r>
-            <a:endParaRPr lang="en-US" sz="2400" dirty="0"/>
           </a:p>
         </p:txBody>
       </p:sp>
@@ -12988,62 +12421,32 @@
               <a:buNone/>
             </a:pPr>
             <a:r>
-              <a:rPr lang="en-US" sz="2000" dirty="0" smtClean="0">
-                <a:latin typeface="OCRA" panose="02000509000000000000" pitchFamily="49" charset="0"/>
-              </a:rPr>
-              <a:t>24</a:t>
-            </a:r>
-            <a:r>
-              <a:rPr lang="en-US" sz="2000" dirty="0" smtClean="0">
-                <a:latin typeface="OCRA" panose="02000509000000000000" pitchFamily="49" charset="0"/>
-              </a:rPr>
-              <a:t>. </a:t>
-            </a:r>
-            <a:r>
               <a:rPr lang="en-US" sz="2000" dirty="0">
                 <a:latin typeface="OCRA" panose="02000509000000000000" pitchFamily="49" charset="0"/>
               </a:rPr>
-              <a:t>public void plan()</a:t>
-            </a:r>
-          </a:p>
-          <a:p>
-            <a:pPr marL="0" indent="0">
-              <a:buNone/>
-            </a:pPr>
-            <a:r>
-              <a:rPr lang="en-US" sz="2000" dirty="0" smtClean="0">
-                <a:latin typeface="OCRA" panose="02000509000000000000" pitchFamily="49" charset="0"/>
-              </a:rPr>
-              <a:t>25. </a:t>
-            </a:r>
+              <a:t>24. public void plan()</a:t>
+            </a:r>
+          </a:p>
+          <a:p>
+            <a:pPr marL="0" indent="0">
+              <a:buNone/>
+            </a:pPr>
             <a:r>
               <a:rPr lang="en-US" sz="2000" dirty="0">
                 <a:latin typeface="OCRA" panose="02000509000000000000" pitchFamily="49" charset="0"/>
               </a:rPr>
-              <a:t>{</a:t>
-            </a:r>
-          </a:p>
-          <a:p>
-            <a:pPr marL="0" indent="0">
-              <a:buNone/>
-            </a:pPr>
-            <a:r>
-              <a:rPr lang="en-US" sz="2000" dirty="0" smtClean="0">
-                <a:latin typeface="OCRA" panose="02000509000000000000" pitchFamily="49" charset="0"/>
-              </a:rPr>
-              <a:t>26</a:t>
-            </a:r>
-            <a:r>
-              <a:rPr lang="en-US" sz="2000" dirty="0" smtClean="0">
-                <a:latin typeface="OCRA" panose="02000509000000000000" pitchFamily="49" charset="0"/>
-              </a:rPr>
-              <a:t>.     </a:t>
-            </a:r>
+              <a:t>25. {</a:t>
+            </a:r>
+          </a:p>
+          <a:p>
+            <a:pPr marL="0" indent="0">
+              <a:buNone/>
+            </a:pPr>
             <a:r>
               <a:rPr lang="en-US" sz="2000" dirty="0">
                 <a:latin typeface="OCRA" panose="02000509000000000000" pitchFamily="49" charset="0"/>
               </a:rPr>
-              <a:t>move</a:t>
+              <a:t>26.     move</a:t>
             </a:r>
             <a:r>
               <a:rPr lang="en-US" sz="2000" dirty="0">
@@ -13069,22 +12472,10 @@
               <a:buNone/>
             </a:pPr>
             <a:r>
-              <a:rPr lang="en-US" sz="2000" dirty="0" smtClean="0">
-                <a:latin typeface="OCRA" panose="02000509000000000000" pitchFamily="49" charset="0"/>
-              </a:rPr>
-              <a:t>27</a:t>
-            </a:r>
-            <a:r>
-              <a:rPr lang="en-US" sz="2000" dirty="0" smtClean="0">
-                <a:latin typeface="OCRA" panose="02000509000000000000" pitchFamily="49" charset="0"/>
-              </a:rPr>
-              <a:t>. </a:t>
-            </a:r>
-            <a:r>
               <a:rPr lang="en-US" sz="2000" dirty="0">
                 <a:latin typeface="OCRA" panose="02000509000000000000" pitchFamily="49" charset="0"/>
               </a:rPr>
-              <a:t>}</a:t>
+              <a:t>27. }</a:t>
             </a:r>
           </a:p>
         </p:txBody>
@@ -13390,62 +12781,32 @@
               <a:buNone/>
             </a:pPr>
             <a:r>
-              <a:rPr lang="en-US" sz="2000" dirty="0" smtClean="0">
-                <a:latin typeface="OCRA" panose="02000509000000000000" pitchFamily="49" charset="0"/>
-              </a:rPr>
-              <a:t>24</a:t>
-            </a:r>
-            <a:r>
-              <a:rPr lang="en-US" sz="2000" dirty="0" smtClean="0">
-                <a:latin typeface="OCRA" panose="02000509000000000000" pitchFamily="49" charset="0"/>
-              </a:rPr>
-              <a:t>. </a:t>
-            </a:r>
-            <a:r>
               <a:rPr lang="en-US" sz="2000" dirty="0">
                 <a:latin typeface="OCRA" panose="02000509000000000000" pitchFamily="49" charset="0"/>
               </a:rPr>
-              <a:t>public void plan()</a:t>
-            </a:r>
-          </a:p>
-          <a:p>
-            <a:pPr marL="0" indent="0">
-              <a:buNone/>
-            </a:pPr>
-            <a:r>
-              <a:rPr lang="en-US" sz="2000" dirty="0" smtClean="0">
-                <a:latin typeface="OCRA" panose="02000509000000000000" pitchFamily="49" charset="0"/>
-              </a:rPr>
-              <a:t>25. </a:t>
-            </a:r>
+              <a:t>24. public void plan()</a:t>
+            </a:r>
+          </a:p>
+          <a:p>
+            <a:pPr marL="0" indent="0">
+              <a:buNone/>
+            </a:pPr>
             <a:r>
               <a:rPr lang="en-US" sz="2000" dirty="0">
                 <a:latin typeface="OCRA" panose="02000509000000000000" pitchFamily="49" charset="0"/>
               </a:rPr>
-              <a:t>{</a:t>
-            </a:r>
-          </a:p>
-          <a:p>
-            <a:pPr marL="0" indent="0">
-              <a:buNone/>
-            </a:pPr>
-            <a:r>
-              <a:rPr lang="en-US" sz="2000" dirty="0" smtClean="0">
-                <a:latin typeface="OCRA" panose="02000509000000000000" pitchFamily="49" charset="0"/>
-              </a:rPr>
-              <a:t>26</a:t>
-            </a:r>
-            <a:r>
-              <a:rPr lang="en-US" sz="2000" dirty="0" smtClean="0">
-                <a:latin typeface="OCRA" panose="02000509000000000000" pitchFamily="49" charset="0"/>
-              </a:rPr>
-              <a:t>.     </a:t>
-            </a:r>
+              <a:t>25. {</a:t>
+            </a:r>
+          </a:p>
+          <a:p>
+            <a:pPr marL="0" indent="0">
+              <a:buNone/>
+            </a:pPr>
             <a:r>
               <a:rPr lang="en-US" sz="2000" dirty="0">
                 <a:latin typeface="OCRA" panose="02000509000000000000" pitchFamily="49" charset="0"/>
               </a:rPr>
-              <a:t>move()</a:t>
+              <a:t>26.     move()</a:t>
             </a:r>
             <a:r>
               <a:rPr lang="en-US" sz="2000" dirty="0">
@@ -13465,22 +12826,10 @@
               <a:buNone/>
             </a:pPr>
             <a:r>
-              <a:rPr lang="en-US" sz="2000" dirty="0" smtClean="0">
-                <a:latin typeface="OCRA" panose="02000509000000000000" pitchFamily="49" charset="0"/>
-              </a:rPr>
-              <a:t>27</a:t>
-            </a:r>
-            <a:r>
-              <a:rPr lang="en-US" sz="2000" dirty="0" smtClean="0">
-                <a:latin typeface="OCRA" panose="02000509000000000000" pitchFamily="49" charset="0"/>
-              </a:rPr>
-              <a:t>. </a:t>
-            </a:r>
-            <a:r>
               <a:rPr lang="en-US" sz="2000" dirty="0">
                 <a:latin typeface="OCRA" panose="02000509000000000000" pitchFamily="49" charset="0"/>
               </a:rPr>
-              <a:t>}</a:t>
+              <a:t>27. }</a:t>
             </a:r>
           </a:p>
         </p:txBody>
@@ -13814,59 +13163,35 @@
               <a:buNone/>
             </a:pPr>
             <a:r>
-              <a:rPr lang="en-US" sz="2000" dirty="0" smtClean="0">
-                <a:latin typeface="OCRA" panose="02000509000000000000" pitchFamily="49" charset="0"/>
-              </a:rPr>
-              <a:t>24</a:t>
-            </a:r>
-            <a:r>
-              <a:rPr lang="en-US" sz="2000" dirty="0" smtClean="0">
-                <a:latin typeface="OCRA" panose="02000509000000000000" pitchFamily="49" charset="0"/>
-              </a:rPr>
-              <a:t>. </a:t>
-            </a:r>
-            <a:r>
               <a:rPr lang="en-US" sz="2000" dirty="0">
                 <a:latin typeface="OCRA" panose="02000509000000000000" pitchFamily="49" charset="0"/>
               </a:rPr>
-              <a:t>public void plan()</a:t>
-            </a:r>
-          </a:p>
-          <a:p>
-            <a:pPr marL="0" indent="0">
-              <a:buNone/>
-            </a:pPr>
-            <a:r>
-              <a:rPr lang="en-US" sz="2000" dirty="0" smtClean="0">
-                <a:latin typeface="OCRA" panose="02000509000000000000" pitchFamily="49" charset="0"/>
-              </a:rPr>
-              <a:t>25. </a:t>
-            </a:r>
+              <a:t>24. public void plan()</a:t>
+            </a:r>
+          </a:p>
+          <a:p>
+            <a:pPr marL="0" indent="0">
+              <a:buNone/>
+            </a:pPr>
             <a:r>
               <a:rPr lang="en-US" sz="2000" dirty="0">
                 <a:latin typeface="OCRA" panose="02000509000000000000" pitchFamily="49" charset="0"/>
               </a:rPr>
-              <a:t>{</a:t>
-            </a:r>
-          </a:p>
-          <a:p>
-            <a:pPr marL="0" indent="0">
-              <a:buNone/>
-            </a:pPr>
-            <a:r>
-              <a:rPr lang="en-US" sz="2000" dirty="0" smtClean="0">
+              <a:t>25. {</a:t>
+            </a:r>
+          </a:p>
+          <a:p>
+            <a:pPr marL="0" indent="0">
+              <a:buNone/>
+            </a:pPr>
+            <a:r>
+              <a:rPr lang="en-US" sz="2000" dirty="0">
                 <a:latin typeface="OCRA" panose="02000509000000000000" pitchFamily="49" charset="0"/>
               </a:rPr>
-              <a:t>26</a:t>
-            </a:r>
-            <a:r>
-              <a:rPr lang="en-US" sz="2000" dirty="0" smtClean="0">
-                <a:latin typeface="OCRA" panose="02000509000000000000" pitchFamily="49" charset="0"/>
-              </a:rPr>
-              <a:t>. </a:t>
-            </a:r>
-            <a:r>
-              <a:rPr lang="en-US" sz="2000" dirty="0" smtClean="0">
+              <a:t>26. </a:t>
+            </a:r>
+            <a:r>
+              <a:rPr lang="en-US" sz="2000" dirty="0">
                 <a:solidFill>
                   <a:schemeClr val="bg2"/>
                 </a:solidFill>
@@ -13889,22 +13214,10 @@
               <a:buNone/>
             </a:pPr>
             <a:r>
-              <a:rPr lang="en-US" sz="2000" dirty="0" smtClean="0">
-                <a:latin typeface="OCRA" panose="02000509000000000000" pitchFamily="49" charset="0"/>
-              </a:rPr>
-              <a:t>27</a:t>
-            </a:r>
-            <a:r>
-              <a:rPr lang="en-US" sz="2000" dirty="0" smtClean="0">
-                <a:latin typeface="OCRA" panose="02000509000000000000" pitchFamily="49" charset="0"/>
-              </a:rPr>
-              <a:t>. </a:t>
-            </a:r>
-            <a:r>
               <a:rPr lang="en-US" sz="2000" dirty="0">
                 <a:latin typeface="OCRA" panose="02000509000000000000" pitchFamily="49" charset="0"/>
               </a:rPr>
-              <a:t>}</a:t>
+              <a:t>27. }</a:t>
             </a:r>
           </a:p>
         </p:txBody>
@@ -14201,85 +13514,43 @@
               <a:buNone/>
             </a:pPr>
             <a:r>
-              <a:rPr lang="en-US" sz="2000" dirty="0" smtClean="0">
-                <a:latin typeface="OCRA" panose="02000509000000000000" pitchFamily="49" charset="0"/>
-              </a:rPr>
-              <a:t>24</a:t>
-            </a:r>
-            <a:r>
-              <a:rPr lang="en-US" sz="2000" dirty="0" smtClean="0">
-                <a:latin typeface="OCRA" panose="02000509000000000000" pitchFamily="49" charset="0"/>
-              </a:rPr>
-              <a:t>. </a:t>
-            </a:r>
-            <a:r>
               <a:rPr lang="en-US" sz="2000" dirty="0">
                 <a:latin typeface="OCRA" panose="02000509000000000000" pitchFamily="49" charset="0"/>
               </a:rPr>
-              <a:t>public void plan()</a:t>
-            </a:r>
-          </a:p>
-          <a:p>
-            <a:pPr marL="0" indent="0">
-              <a:buNone/>
-            </a:pPr>
-            <a:r>
-              <a:rPr lang="en-US" sz="2000" dirty="0" smtClean="0">
-                <a:latin typeface="OCRA" panose="02000509000000000000" pitchFamily="49" charset="0"/>
-              </a:rPr>
-              <a:t>25. </a:t>
-            </a:r>
+              <a:t>24. public void plan()</a:t>
+            </a:r>
+          </a:p>
+          <a:p>
+            <a:pPr marL="0" indent="0">
+              <a:buNone/>
+            </a:pPr>
             <a:r>
               <a:rPr lang="en-US" sz="2000" dirty="0">
                 <a:latin typeface="OCRA" panose="02000509000000000000" pitchFamily="49" charset="0"/>
               </a:rPr>
-              <a:t>{</a:t>
-            </a:r>
-          </a:p>
-          <a:p>
-            <a:pPr marL="0" indent="0">
-              <a:buNone/>
-            </a:pPr>
-            <a:r>
-              <a:rPr lang="en-US" sz="2000" dirty="0" smtClean="0">
-                <a:latin typeface="OCRA" panose="02000509000000000000" pitchFamily="49" charset="0"/>
-              </a:rPr>
-              <a:t>26</a:t>
-            </a:r>
-            <a:r>
-              <a:rPr lang="en-US" sz="2000" dirty="0" smtClean="0">
-                <a:latin typeface="OCRA" panose="02000509000000000000" pitchFamily="49" charset="0"/>
-              </a:rPr>
-              <a:t>.     </a:t>
-            </a:r>
+              <a:t>25. {</a:t>
+            </a:r>
+          </a:p>
+          <a:p>
+            <a:pPr marL="0" indent="0">
+              <a:buNone/>
+            </a:pPr>
             <a:r>
               <a:rPr lang="en-US" sz="2000" dirty="0">
                 <a:latin typeface="OCRA" panose="02000509000000000000" pitchFamily="49" charset="0"/>
               </a:rPr>
-              <a:t>move();</a:t>
-            </a:r>
-          </a:p>
-          <a:p>
-            <a:pPr marL="0" indent="0">
-              <a:buNone/>
-            </a:pPr>
-            <a:r>
-              <a:rPr lang="en-US" sz="2000" dirty="0" smtClean="0">
-                <a:latin typeface="OCRA" panose="02000509000000000000" pitchFamily="49" charset="0"/>
-              </a:rPr>
-              <a:t>27</a:t>
-            </a:r>
-            <a:r>
-              <a:rPr lang="en-US" sz="2000" dirty="0" smtClean="0">
-                <a:latin typeface="OCRA" panose="02000509000000000000" pitchFamily="49" charset="0"/>
-              </a:rPr>
-              <a:t>. </a:t>
-            </a:r>
+              <a:t>26.     move();</a:t>
+            </a:r>
+          </a:p>
+          <a:p>
+            <a:pPr marL="0" indent="0">
+              <a:buNone/>
+            </a:pPr>
             <a:r>
               <a:rPr lang="en-US" sz="2000" dirty="0">
                 <a:latin typeface="OCRA" panose="02000509000000000000" pitchFamily="49" charset="0"/>
               </a:rPr>
-              <a:t>}</a:t>
+              <a:t>27. }</a:t>
             </a:r>
           </a:p>
         </p:txBody>
@@ -14572,15 +13843,7 @@
           <a:p>
             <a:r>
               <a:rPr lang="en-US" sz="2400" dirty="0"/>
-              <a:t>Once </a:t>
-            </a:r>
-            <a:r>
-              <a:rPr lang="en-US" sz="2400" dirty="0" smtClean="0"/>
-              <a:t>the plan is </a:t>
-            </a:r>
-            <a:r>
-              <a:rPr lang="en-US" sz="2400" dirty="0"/>
-              <a:t>done, so is Karl.</a:t>
+              <a:t>Once the plan is done, so is Karl.</a:t>
             </a:r>
           </a:p>
         </p:txBody>
@@ -14777,19 +14040,7 @@
             </a:r>
             <a:r>
               <a:rPr lang="en-US" sz="2400" dirty="0"/>
-              <a:t>, all that zombies want from </a:t>
-            </a:r>
-            <a:r>
-              <a:rPr lang="en-US" sz="2400" dirty="0" smtClean="0"/>
-              <a:t>their un-life is</a:t>
-            </a:r>
-            <a:r>
-              <a:rPr lang="en-US" sz="2400" dirty="0"/>
-              <a:t> zombie coins</a:t>
-            </a:r>
-            <a:r>
-              <a:rPr lang="en-US" sz="2400" dirty="0" smtClean="0"/>
-              <a:t>.</a:t>
+              <a:t>, all that zombies want from their un-life is zombie coins.</a:t>
             </a:r>
           </a:p>
           <a:p>
@@ -14932,13 +14183,7 @@
               <a:rPr lang="en-US" sz="2000" dirty="0">
                 <a:latin typeface="OCRA" panose="02000509000000000000" pitchFamily="49" charset="0"/>
               </a:rPr>
-              <a:t>move</a:t>
-            </a:r>
-            <a:r>
-              <a:rPr lang="en-US" sz="2000" dirty="0" smtClean="0">
-                <a:latin typeface="OCRA" panose="02000509000000000000" pitchFamily="49" charset="0"/>
-              </a:rPr>
-              <a:t>();</a:t>
+              <a:t>move();</a:t>
             </a:r>
             <a:endParaRPr lang="en-US" sz="2000" dirty="0"/>
           </a:p>
@@ -15079,15 +14324,7 @@
           <a:p>
             <a:r>
               <a:rPr lang="en-US" sz="2400" dirty="0"/>
-              <a:t>When you get Karl to the goal, </a:t>
-            </a:r>
-            <a:r>
-              <a:rPr lang="en-US" sz="2400" dirty="0" smtClean="0"/>
-              <a:t>you will </a:t>
-            </a:r>
-            <a:r>
-              <a:rPr lang="en-US" sz="2400" dirty="0"/>
-              <a:t>need to turn in your plan.</a:t>
+              <a:t>When you get Karl to the goal, you will need to turn in your plan.</a:t>
             </a:r>
           </a:p>
           <a:p>
@@ -15104,31 +14341,17 @@
             </a:r>
             <a:r>
               <a:rPr lang="en-US" sz="2400" dirty="0"/>
-              <a:t> 01 – First </a:t>
-            </a:r>
-            <a:r>
-              <a:rPr lang="en-US" sz="2400" dirty="0" smtClean="0"/>
-              <a:t>Steps, you’ll find this folder wherever you saved the project file… hopefully your H: drive</a:t>
-            </a:r>
+              <a:t> 01 – First Steps, you’ll find this folder wherever you saved the project file… hopefully your H: drive</a:t>
+            </a:r>
+          </a:p>
+          <a:p>
             <a:endParaRPr lang="en-US" sz="2400" dirty="0"/>
           </a:p>
           <a:p>
-            <a:endParaRPr lang="en-US" sz="2400" dirty="0"/>
-          </a:p>
-          <a:p>
-            <a:r>
-              <a:rPr lang="en-US" sz="2400" dirty="0" smtClean="0"/>
-              <a:t>Submit your completed </a:t>
-            </a:r>
-            <a:r>
-              <a:rPr lang="en-US" sz="2400" dirty="0"/>
-              <a:t>MyZombie.java </a:t>
-            </a:r>
-            <a:r>
-              <a:rPr lang="en-US" sz="2400" dirty="0" smtClean="0"/>
-              <a:t>in Canvas.</a:t>
-            </a:r>
-            <a:endParaRPr lang="en-US" sz="2400" dirty="0"/>
+            <a:r>
+              <a:rPr lang="en-US" sz="2400" dirty="0"/>
+              <a:t>Submit your completed MyZombie.java in Canvas.</a:t>
+            </a:r>
           </a:p>
         </p:txBody>
       </p:sp>
